--- a/Documents/Bumbo Games Presentation.pptx
+++ b/Documents/Bumbo Games Presentation.pptx
@@ -240,7 +240,7 @@
             <a:fld id="{EFC10EE1-B198-C942-8235-326C972CBB30}" type="datetimeFigureOut">
               <a:rPr lang="en-US" smtClean="0"/>
               <a:pPr/>
-              <a:t>3/19/2019</a:t>
+              <a:t>3/20/2019</a:t>
             </a:fld>
             <a:endParaRPr lang="en-US" dirty="0"/>
           </a:p>
@@ -1410,7 +1410,7 @@
           <a:p>
             <a:fld id="{A0C21A69-CE6F-2440-BAE4-5A4B3040CF2A}" type="datetimeFigureOut">
               <a:rPr lang="en-US" smtClean="0"/>
-              <a:t>3/19/2019</a:t>
+              <a:t>3/20/2019</a:t>
             </a:fld>
             <a:endParaRPr lang="en-US"/>
           </a:p>
@@ -3250,18 +3250,37 @@
           </a:p>
         </p:txBody>
       </p:sp>
-      <p:sp>
-        <p:nvSpPr>
-          <p:cNvPr id="4" name="Picture Placeholder 3"/>
-          <p:cNvSpPr>
-            <a:spLocks noGrp="1"/>
-          </p:cNvSpPr>
+      <p:pic>
+        <p:nvPicPr>
+          <p:cNvPr id="3" name="Picture Placeholder 2">
+            <a:extLst>
+              <a:ext uri="{FF2B5EF4-FFF2-40B4-BE49-F238E27FC236}">
+                <a16:creationId xmlns:a16="http://schemas.microsoft.com/office/drawing/2014/main" id="{E83B788A-9418-4BDD-B0E9-27FC6FD6AF86}"/>
+              </a:ext>
+            </a:extLst>
+          </p:cNvPr>
+          <p:cNvPicPr>
+            <a:picLocks noGrp="1" noChangeAspect="1"/>
+          </p:cNvPicPr>
           <p:nvPr>
             <p:ph type="pic" sz="quarter" idx="10"/>
           </p:nvPr>
-        </p:nvSpPr>
+        </p:nvPicPr>
+        <p:blipFill>
+          <a:blip r:embed="rId3" cstate="email">
+            <a:extLst>
+              <a:ext uri="{28A0092B-C50C-407E-A947-70E740481C1C}">
+                <a14:useLocalDpi xmlns:a14="http://schemas.microsoft.com/office/drawing/2010/main" val="0"/>
+              </a:ext>
+            </a:extLst>
+          </a:blip>
+          <a:srcRect l="11131" r="11131"/>
+          <a:stretch>
+            <a:fillRect/>
+          </a:stretch>
+        </p:blipFill>
         <p:spPr/>
-      </p:sp>
+      </p:pic>
     </p:spTree>
     <p:extLst>
       <p:ext uri="{BB962C8B-B14F-4D97-AF65-F5344CB8AC3E}">
